--- a/ShapeCrawler.Tests/Resource/026.pptx
+++ b/ShapeCrawler.Tests/Resource/026.pptx
@@ -2194,7 +2194,7 @@
           </a:ln>
           <a:extLst>
             <a:ext uri="{C572A759-6A51-4108-AA02-DFA0A04FC94B}">
-              <ma14:wrappingTextBoxFlag xmlns:ma14="http://schemas.microsoft.com/office/mac/drawingml/2011/main" xmlns="" val="1"/>
+              <ma14:wrappingTextBoxFlag xmlns="" xmlns:ma14="http://schemas.microsoft.com/office/mac/drawingml/2011/main" val="1"/>
             </a:ext>
           </a:extLst>
         </p:spPr>
@@ -2233,7 +2233,7 @@
           </a:ln>
           <a:extLst>
             <a:ext uri="{C572A759-6A51-4108-AA02-DFA0A04FC94B}">
-              <ma14:wrappingTextBoxFlag xmlns:ma14="http://schemas.microsoft.com/office/mac/drawingml/2011/main" xmlns="" val="1"/>
+              <ma14:wrappingTextBoxFlag xmlns="" xmlns:ma14="http://schemas.microsoft.com/office/mac/drawingml/2011/main" val="1"/>
             </a:ext>
           </a:extLst>
         </p:spPr>
@@ -3146,7 +3146,7 @@
       </p:grpSpPr>
       <p:sp>
         <p:nvSpPr>
-          <p:cNvPr id="128" name="Прямоугольник 5"/>
+          <p:cNvPr id="128" name="AutoShape 1"/>
           <p:cNvSpPr/>
           <p:nvPr/>
         </p:nvSpPr>
@@ -3163,7 +3163,7 @@
           </a:ln>
           <a:extLst>
             <a:ext uri="{C572A759-6A51-4108-AA02-DFA0A04FC94B}">
-              <ma14:wrappingTextBoxFlag xmlns:ma14="http://schemas.microsoft.com/office/mac/drawingml/2011/main" xmlns="" val="1"/>
+              <ma14:wrappingTextBoxFlag xmlns="" xmlns:ma14="http://schemas.microsoft.com/office/mac/drawingml/2011/main" val="1"/>
             </a:ext>
           </a:extLst>
         </p:spPr>
